--- a/SanatanderCyles.pptx
+++ b/SanatanderCyles.pptx
@@ -5,12 +5,14 @@
     <p:sldMasterId id="2147483660" r:id="rId1"/>
   </p:sldMasterIdLst>
   <p:notesMasterIdLst>
-    <p:notesMasterId r:id="rId5"/>
+    <p:notesMasterId r:id="rId7"/>
   </p:notesMasterIdLst>
   <p:sldIdLst>
     <p:sldId id="256" r:id="rId2"/>
     <p:sldId id="259" r:id="rId3"/>
     <p:sldId id="258" r:id="rId4"/>
+    <p:sldId id="262" r:id="rId5"/>
+    <p:sldId id="263" r:id="rId6"/>
   </p:sldIdLst>
   <p:sldSz cx="9144000" cy="6858000" type="screen4x3"/>
   <p:notesSz cx="6858000" cy="9144000"/>
@@ -120,14 +122,259 @@
 <file path=ppt/revisionInfo.xml><?xml version="1.0" encoding="utf-8"?>
 <p1510:revInfo xmlns:a="http://schemas.openxmlformats.org/drawingml/2006/main" xmlns:r="http://schemas.openxmlformats.org/officeDocument/2006/relationships" xmlns:p1510="http://schemas.microsoft.com/office/powerpoint/2015/10/main">
   <p1510:revLst>
-    <p1510:client id="{6388221A-4502-45ED-8544-E0341D16C386}" v="161" dt="2024-02-08T13:32:24.851"/>
-    <p1510:client id="{CB48BA8B-4958-4355-B792-724187DA1749}" v="25" dt="2024-02-08T13:34:37.786"/>
+    <p1510:client id="{79FD3ED2-3754-4488-8472-009302ADA567}" v="10" dt="2024-02-12T22:51:30.554"/>
+    <p1510:client id="{C05BE052-1021-412B-B400-7259B9239977}" v="69" dt="2024-02-12T22:24:46.125"/>
   </p1510:revLst>
 </p1510:revInfo>
 </file>
 
 <file path=ppt/changesInfos/changesInfo1.xml><?xml version="1.0" encoding="utf-8"?>
 <pc:chgInfo xmlns:a="http://schemas.openxmlformats.org/drawingml/2006/main" xmlns:r="http://schemas.openxmlformats.org/officeDocument/2006/relationships" xmlns:ac="http://schemas.microsoft.com/office/drawing/2013/main/command" xmlns:pc="http://schemas.microsoft.com/office/powerpoint/2013/main/command">
+  <pc:docChgLst>
+    <pc:chgData name="Joshua Rawlings" userId="dd65f35dd223fa39" providerId="LiveId" clId="{79FD3ED2-3754-4488-8472-009302ADA567}"/>
+    <pc:docChg chg="undo custSel addSld delSld modSld sldOrd">
+      <pc:chgData name="Joshua Rawlings" userId="dd65f35dd223fa39" providerId="LiveId" clId="{79FD3ED2-3754-4488-8472-009302ADA567}" dt="2024-02-12T22:51:50.041" v="765" actId="47"/>
+      <pc:docMkLst>
+        <pc:docMk/>
+      </pc:docMkLst>
+      <pc:sldChg chg="modSp del mod">
+        <pc:chgData name="Joshua Rawlings" userId="dd65f35dd223fa39" providerId="LiveId" clId="{79FD3ED2-3754-4488-8472-009302ADA567}" dt="2024-02-12T22:51:50.041" v="765" actId="47"/>
+        <pc:sldMkLst>
+          <pc:docMk/>
+          <pc:sldMk cId="2462558194" sldId="260"/>
+        </pc:sldMkLst>
+        <pc:picChg chg="mod">
+          <ac:chgData name="Joshua Rawlings" userId="dd65f35dd223fa39" providerId="LiveId" clId="{79FD3ED2-3754-4488-8472-009302ADA567}" dt="2024-02-12T22:46:20.576" v="18" actId="14100"/>
+          <ac:picMkLst>
+            <pc:docMk/>
+            <pc:sldMk cId="2462558194" sldId="260"/>
+            <ac:picMk id="4" creationId="{295F1503-AD49-F255-FFFC-FD2AA11495DD}"/>
+          </ac:picMkLst>
+        </pc:picChg>
+        <pc:picChg chg="mod">
+          <ac:chgData name="Joshua Rawlings" userId="dd65f35dd223fa39" providerId="LiveId" clId="{79FD3ED2-3754-4488-8472-009302ADA567}" dt="2024-02-12T22:46:12.025" v="15" actId="14100"/>
+          <ac:picMkLst>
+            <pc:docMk/>
+            <pc:sldMk cId="2462558194" sldId="260"/>
+            <ac:picMk id="5" creationId="{1695289B-524A-2728-3A7D-0DEDC6478E7C}"/>
+          </ac:picMkLst>
+        </pc:picChg>
+        <pc:picChg chg="mod">
+          <ac:chgData name="Joshua Rawlings" userId="dd65f35dd223fa39" providerId="LiveId" clId="{79FD3ED2-3754-4488-8472-009302ADA567}" dt="2024-02-12T22:46:29.688" v="21" actId="14100"/>
+          <ac:picMkLst>
+            <pc:docMk/>
+            <pc:sldMk cId="2462558194" sldId="260"/>
+            <ac:picMk id="6" creationId="{8D48B65D-C62C-36CE-B04A-4F609E7B5123}"/>
+          </ac:picMkLst>
+        </pc:picChg>
+        <pc:picChg chg="mod">
+          <ac:chgData name="Joshua Rawlings" userId="dd65f35dd223fa39" providerId="LiveId" clId="{79FD3ED2-3754-4488-8472-009302ADA567}" dt="2024-02-12T22:45:45.489" v="9" actId="14100"/>
+          <ac:picMkLst>
+            <pc:docMk/>
+            <pc:sldMk cId="2462558194" sldId="260"/>
+            <ac:picMk id="7" creationId="{1529F6BC-43E1-7354-F428-D6F9AF6CCD18}"/>
+          </ac:picMkLst>
+        </pc:picChg>
+        <pc:picChg chg="mod">
+          <ac:chgData name="Joshua Rawlings" userId="dd65f35dd223fa39" providerId="LiveId" clId="{79FD3ED2-3754-4488-8472-009302ADA567}" dt="2024-02-12T22:46:01.194" v="12" actId="14100"/>
+          <ac:picMkLst>
+            <pc:docMk/>
+            <pc:sldMk cId="2462558194" sldId="260"/>
+            <ac:picMk id="8" creationId="{99A4E5E9-1FEE-14D6-41CE-8BE96057A329}"/>
+          </ac:picMkLst>
+        </pc:picChg>
+      </pc:sldChg>
+      <pc:sldChg chg="new del ord">
+        <pc:chgData name="Joshua Rawlings" userId="dd65f35dd223fa39" providerId="LiveId" clId="{79FD3ED2-3754-4488-8472-009302ADA567}" dt="2024-02-12T22:51:09.479" v="749" actId="47"/>
+        <pc:sldMkLst>
+          <pc:docMk/>
+          <pc:sldMk cId="3928683314" sldId="261"/>
+        </pc:sldMkLst>
+      </pc:sldChg>
+      <pc:sldChg chg="addSp delSp modSp add mod">
+        <pc:chgData name="Joshua Rawlings" userId="dd65f35dd223fa39" providerId="LiveId" clId="{79FD3ED2-3754-4488-8472-009302ADA567}" dt="2024-02-12T22:51:02.815" v="746" actId="20577"/>
+        <pc:sldMkLst>
+          <pc:docMk/>
+          <pc:sldMk cId="89270495" sldId="262"/>
+        </pc:sldMkLst>
+        <pc:spChg chg="mod">
+          <ac:chgData name="Joshua Rawlings" userId="dd65f35dd223fa39" providerId="LiveId" clId="{79FD3ED2-3754-4488-8472-009302ADA567}" dt="2024-02-12T22:51:02.815" v="746" actId="20577"/>
+          <ac:spMkLst>
+            <pc:docMk/>
+            <pc:sldMk cId="89270495" sldId="262"/>
+            <ac:spMk id="4" creationId="{4564C267-AE96-ED0E-7FC9-FD23FDDA2CA5}"/>
+          </ac:spMkLst>
+        </pc:spChg>
+        <pc:spChg chg="mod">
+          <ac:chgData name="Joshua Rawlings" userId="dd65f35dd223fa39" providerId="LiveId" clId="{79FD3ED2-3754-4488-8472-009302ADA567}" dt="2024-02-12T22:49:04.330" v="303" actId="313"/>
+          <ac:spMkLst>
+            <pc:docMk/>
+            <pc:sldMk cId="89270495" sldId="262"/>
+            <ac:spMk id="16" creationId="{36CED4E2-E91E-C668-4B98-F1F2BA9278D3}"/>
+          </ac:spMkLst>
+        </pc:spChg>
+        <pc:spChg chg="mod">
+          <ac:chgData name="Joshua Rawlings" userId="dd65f35dd223fa39" providerId="LiveId" clId="{79FD3ED2-3754-4488-8472-009302ADA567}" dt="2024-02-12T22:50:26.540" v="597" actId="20577"/>
+          <ac:spMkLst>
+            <pc:docMk/>
+            <pc:sldMk cId="89270495" sldId="262"/>
+            <ac:spMk id="22" creationId="{8809BF39-0817-97E0-D8F2-84A8BA2E8F7B}"/>
+          </ac:spMkLst>
+        </pc:spChg>
+        <pc:spChg chg="mod">
+          <ac:chgData name="Joshua Rawlings" userId="dd65f35dd223fa39" providerId="LiveId" clId="{79FD3ED2-3754-4488-8472-009302ADA567}" dt="2024-02-12T22:49:43.561" v="435" actId="20577"/>
+          <ac:spMkLst>
+            <pc:docMk/>
+            <pc:sldMk cId="89270495" sldId="262"/>
+            <ac:spMk id="26" creationId="{2731B9C8-D5DE-954A-05A1-B2C5897D9ED4}"/>
+          </ac:spMkLst>
+        </pc:spChg>
+        <pc:picChg chg="add mod ord">
+          <ac:chgData name="Joshua Rawlings" userId="dd65f35dd223fa39" providerId="LiveId" clId="{79FD3ED2-3754-4488-8472-009302ADA567}" dt="2024-02-12T22:47:09.866" v="43" actId="167"/>
+          <ac:picMkLst>
+            <pc:docMk/>
+            <pc:sldMk cId="89270495" sldId="262"/>
+            <ac:picMk id="2" creationId="{12FDF49C-BCDA-F88F-A2A5-5D8D30901298}"/>
+          </ac:picMkLst>
+        </pc:picChg>
+        <pc:picChg chg="add mod ord">
+          <ac:chgData name="Joshua Rawlings" userId="dd65f35dd223fa39" providerId="LiveId" clId="{79FD3ED2-3754-4488-8472-009302ADA567}" dt="2024-02-12T22:47:36.426" v="149" actId="167"/>
+          <ac:picMkLst>
+            <pc:docMk/>
+            <pc:sldMk cId="89270495" sldId="262"/>
+            <ac:picMk id="3" creationId="{B96DF460-3983-A35E-523C-127AB4C8CC8A}"/>
+          </ac:picMkLst>
+        </pc:picChg>
+        <pc:picChg chg="add mod ord">
+          <ac:chgData name="Joshua Rawlings" userId="dd65f35dd223fa39" providerId="LiveId" clId="{79FD3ED2-3754-4488-8472-009302ADA567}" dt="2024-02-12T22:48:19.558" v="160" actId="1076"/>
+          <ac:picMkLst>
+            <pc:docMk/>
+            <pc:sldMk cId="89270495" sldId="262"/>
+            <ac:picMk id="5" creationId="{235E80E2-D0D6-752E-2E7F-1B49AA859979}"/>
+          </ac:picMkLst>
+        </pc:picChg>
+        <pc:picChg chg="add mod">
+          <ac:chgData name="Joshua Rawlings" userId="dd65f35dd223fa39" providerId="LiveId" clId="{79FD3ED2-3754-4488-8472-009302ADA567}" dt="2024-02-12T22:48:17.636" v="159" actId="1076"/>
+          <ac:picMkLst>
+            <pc:docMk/>
+            <pc:sldMk cId="89270495" sldId="262"/>
+            <ac:picMk id="9" creationId="{311635E6-48E2-774A-CC58-36E242C660C9}"/>
+          </ac:picMkLst>
+        </pc:picChg>
+        <pc:picChg chg="add del mod">
+          <ac:chgData name="Joshua Rawlings" userId="dd65f35dd223fa39" providerId="LiveId" clId="{79FD3ED2-3754-4488-8472-009302ADA567}" dt="2024-02-12T22:47:11.736" v="44" actId="478"/>
+          <ac:picMkLst>
+            <pc:docMk/>
+            <pc:sldMk cId="89270495" sldId="262"/>
+            <ac:picMk id="13" creationId="{519C2ECD-733D-C3E7-D8AD-10843ED56526}"/>
+          </ac:picMkLst>
+        </pc:picChg>
+        <pc:picChg chg="del mod">
+          <ac:chgData name="Joshua Rawlings" userId="dd65f35dd223fa39" providerId="LiveId" clId="{79FD3ED2-3754-4488-8472-009302ADA567}" dt="2024-02-12T22:47:37.774" v="150" actId="478"/>
+          <ac:picMkLst>
+            <pc:docMk/>
+            <pc:sldMk cId="89270495" sldId="262"/>
+            <ac:picMk id="15" creationId="{C0F5F5DE-9A1F-D5DF-A9C9-D08700D21A01}"/>
+          </ac:picMkLst>
+        </pc:picChg>
+        <pc:picChg chg="del mod">
+          <ac:chgData name="Joshua Rawlings" userId="dd65f35dd223fa39" providerId="LiveId" clId="{79FD3ED2-3754-4488-8472-009302ADA567}" dt="2024-02-12T22:48:03.845" v="155" actId="478"/>
+          <ac:picMkLst>
+            <pc:docMk/>
+            <pc:sldMk cId="89270495" sldId="262"/>
+            <ac:picMk id="18" creationId="{6E3EC1B6-4B1C-027A-72B2-34E18D0C38DC}"/>
+          </ac:picMkLst>
+        </pc:picChg>
+        <pc:picChg chg="del">
+          <ac:chgData name="Joshua Rawlings" userId="dd65f35dd223fa39" providerId="LiveId" clId="{79FD3ED2-3754-4488-8472-009302ADA567}" dt="2024-02-12T22:48:11.010" v="157" actId="478"/>
+          <ac:picMkLst>
+            <pc:docMk/>
+            <pc:sldMk cId="89270495" sldId="262"/>
+            <ac:picMk id="20" creationId="{457DBBAC-DFC3-C867-9BA1-CE874B2C1E41}"/>
+          </ac:picMkLst>
+        </pc:picChg>
+      </pc:sldChg>
+      <pc:sldChg chg="addSp delSp modSp add mod">
+        <pc:chgData name="Joshua Rawlings" userId="dd65f35dd223fa39" providerId="LiveId" clId="{79FD3ED2-3754-4488-8472-009302ADA567}" dt="2024-02-12T22:51:44.096" v="764" actId="1076"/>
+        <pc:sldMkLst>
+          <pc:docMk/>
+          <pc:sldMk cId="3721665236" sldId="263"/>
+        </pc:sldMkLst>
+        <pc:spChg chg="del mod">
+          <ac:chgData name="Joshua Rawlings" userId="dd65f35dd223fa39" providerId="LiveId" clId="{79FD3ED2-3754-4488-8472-009302ADA567}" dt="2024-02-12T22:51:30.063" v="759" actId="478"/>
+          <ac:spMkLst>
+            <pc:docMk/>
+            <pc:sldMk cId="3721665236" sldId="263"/>
+            <ac:spMk id="4" creationId="{4564C267-AE96-ED0E-7FC9-FD23FDDA2CA5}"/>
+          </ac:spMkLst>
+        </pc:spChg>
+        <pc:spChg chg="del">
+          <ac:chgData name="Joshua Rawlings" userId="dd65f35dd223fa39" providerId="LiveId" clId="{79FD3ED2-3754-4488-8472-009302ADA567}" dt="2024-02-12T22:51:26.236" v="756" actId="478"/>
+          <ac:spMkLst>
+            <pc:docMk/>
+            <pc:sldMk cId="3721665236" sldId="263"/>
+            <ac:spMk id="16" creationId="{36CED4E2-E91E-C668-4B98-F1F2BA9278D3}"/>
+          </ac:spMkLst>
+        </pc:spChg>
+        <pc:spChg chg="del">
+          <ac:chgData name="Joshua Rawlings" userId="dd65f35dd223fa39" providerId="LiveId" clId="{79FD3ED2-3754-4488-8472-009302ADA567}" dt="2024-02-12T22:51:27.636" v="757" actId="478"/>
+          <ac:spMkLst>
+            <pc:docMk/>
+            <pc:sldMk cId="3721665236" sldId="263"/>
+            <ac:spMk id="22" creationId="{8809BF39-0817-97E0-D8F2-84A8BA2E8F7B}"/>
+          </ac:spMkLst>
+        </pc:spChg>
+        <pc:spChg chg="del">
+          <ac:chgData name="Joshua Rawlings" userId="dd65f35dd223fa39" providerId="LiveId" clId="{79FD3ED2-3754-4488-8472-009302ADA567}" dt="2024-02-12T22:51:25.062" v="755" actId="478"/>
+          <ac:spMkLst>
+            <pc:docMk/>
+            <pc:sldMk cId="3721665236" sldId="263"/>
+            <ac:spMk id="26" creationId="{2731B9C8-D5DE-954A-05A1-B2C5897D9ED4}"/>
+          </ac:spMkLst>
+        </pc:spChg>
+        <pc:picChg chg="del">
+          <ac:chgData name="Joshua Rawlings" userId="dd65f35dd223fa39" providerId="LiveId" clId="{79FD3ED2-3754-4488-8472-009302ADA567}" dt="2024-02-12T22:51:18.382" v="751" actId="478"/>
+          <ac:picMkLst>
+            <pc:docMk/>
+            <pc:sldMk cId="3721665236" sldId="263"/>
+            <ac:picMk id="2" creationId="{12FDF49C-BCDA-F88F-A2A5-5D8D30901298}"/>
+          </ac:picMkLst>
+        </pc:picChg>
+        <pc:picChg chg="del">
+          <ac:chgData name="Joshua Rawlings" userId="dd65f35dd223fa39" providerId="LiveId" clId="{79FD3ED2-3754-4488-8472-009302ADA567}" dt="2024-02-12T22:51:19.428" v="752" actId="478"/>
+          <ac:picMkLst>
+            <pc:docMk/>
+            <pc:sldMk cId="3721665236" sldId="263"/>
+            <ac:picMk id="3" creationId="{B96DF460-3983-A35E-523C-127AB4C8CC8A}"/>
+          </ac:picMkLst>
+        </pc:picChg>
+        <pc:picChg chg="del">
+          <ac:chgData name="Joshua Rawlings" userId="dd65f35dd223fa39" providerId="LiveId" clId="{79FD3ED2-3754-4488-8472-009302ADA567}" dt="2024-02-12T22:51:20.370" v="753" actId="478"/>
+          <ac:picMkLst>
+            <pc:docMk/>
+            <pc:sldMk cId="3721665236" sldId="263"/>
+            <ac:picMk id="5" creationId="{235E80E2-D0D6-752E-2E7F-1B49AA859979}"/>
+          </ac:picMkLst>
+        </pc:picChg>
+        <pc:picChg chg="del">
+          <ac:chgData name="Joshua Rawlings" userId="dd65f35dd223fa39" providerId="LiveId" clId="{79FD3ED2-3754-4488-8472-009302ADA567}" dt="2024-02-12T22:51:21.306" v="754" actId="478"/>
+          <ac:picMkLst>
+            <pc:docMk/>
+            <pc:sldMk cId="3721665236" sldId="263"/>
+            <ac:picMk id="9" creationId="{311635E6-48E2-774A-CC58-36E242C660C9}"/>
+          </ac:picMkLst>
+        </pc:picChg>
+        <pc:picChg chg="add mod ord">
+          <ac:chgData name="Joshua Rawlings" userId="dd65f35dd223fa39" providerId="LiveId" clId="{79FD3ED2-3754-4488-8472-009302ADA567}" dt="2024-02-12T22:51:44.096" v="764" actId="1076"/>
+          <ac:picMkLst>
+            <pc:docMk/>
+            <pc:sldMk cId="3721665236" sldId="263"/>
+            <ac:picMk id="10" creationId="{893CA49B-11D2-A386-02D9-4C38664EE0E3}"/>
+          </ac:picMkLst>
+        </pc:picChg>
+      </pc:sldChg>
+    </pc:docChg>
+  </pc:docChgLst>
   <pc:docChgLst>
     <pc:chgData name="Rawlings, Joshua - OBR" userId="be33a36d-90b8-47bc-afe5-9b02899b9db3" providerId="ADAL" clId="{CB48BA8B-4958-4355-B792-724187DA1749}"/>
     <pc:docChg chg="undo custSel addSld delSld modSld">
@@ -645,6 +892,259 @@
             <pc:docMk/>
             <pc:sldMk cId="2528742465" sldId="260"/>
             <ac:picMk id="11" creationId="{59C4210B-619E-5F5F-8FF9-FFFC77C4E7AD}"/>
+          </ac:picMkLst>
+        </pc:picChg>
+      </pc:sldChg>
+    </pc:docChg>
+  </pc:docChgLst>
+  <pc:docChgLst>
+    <pc:chgData name="Joshua Rawlings" userId="dd65f35dd223fa39" providerId="Windows Live" clId="Web-{C05BE052-1021-412B-B400-7259B9239977}"/>
+    <pc:docChg chg="addSld delSld modSld">
+      <pc:chgData name="Joshua Rawlings" userId="dd65f35dd223fa39" providerId="Windows Live" clId="Web-{C05BE052-1021-412B-B400-7259B9239977}" dt="2024-02-12T22:24:46.125" v="55" actId="1076"/>
+      <pc:docMkLst>
+        <pc:docMk/>
+      </pc:docMkLst>
+      <pc:sldChg chg="addSp delSp modSp add del replId">
+        <pc:chgData name="Joshua Rawlings" userId="dd65f35dd223fa39" providerId="Windows Live" clId="Web-{C05BE052-1021-412B-B400-7259B9239977}" dt="2024-02-12T22:24:35.515" v="44"/>
+        <pc:sldMkLst>
+          <pc:docMk/>
+          <pc:sldMk cId="2182182379" sldId="260"/>
+        </pc:sldMkLst>
+        <pc:spChg chg="del">
+          <ac:chgData name="Joshua Rawlings" userId="dd65f35dd223fa39" providerId="Windows Live" clId="Web-{C05BE052-1021-412B-B400-7259B9239977}" dt="2024-02-12T22:24:34.281" v="43"/>
+          <ac:spMkLst>
+            <pc:docMk/>
+            <pc:sldMk cId="2182182379" sldId="260"/>
+            <ac:spMk id="12" creationId="{98CC5663-5B38-2689-AC9E-61E5A65E0355}"/>
+          </ac:spMkLst>
+        </pc:spChg>
+        <pc:picChg chg="add del mod">
+          <ac:chgData name="Joshua Rawlings" userId="dd65f35dd223fa39" providerId="Windows Live" clId="Web-{C05BE052-1021-412B-B400-7259B9239977}" dt="2024-02-12T22:24:33.609" v="42"/>
+          <ac:picMkLst>
+            <pc:docMk/>
+            <pc:sldMk cId="2182182379" sldId="260"/>
+            <ac:picMk id="2" creationId="{1DA475FA-BACD-F408-E00B-D0ECF42BB7E0}"/>
+          </ac:picMkLst>
+        </pc:picChg>
+        <pc:picChg chg="mod">
+          <ac:chgData name="Joshua Rawlings" userId="dd65f35dd223fa39" providerId="Windows Live" clId="Web-{C05BE052-1021-412B-B400-7259B9239977}" dt="2024-02-12T22:23:26.326" v="33"/>
+          <ac:picMkLst>
+            <pc:docMk/>
+            <pc:sldMk cId="2182182379" sldId="260"/>
+            <ac:picMk id="13" creationId="{519C2ECD-733D-C3E7-D8AD-10843ED56526}"/>
+          </ac:picMkLst>
+        </pc:picChg>
+        <pc:picChg chg="mod">
+          <ac:chgData name="Joshua Rawlings" userId="dd65f35dd223fa39" providerId="Windows Live" clId="Web-{C05BE052-1021-412B-B400-7259B9239977}" dt="2024-02-12T22:23:33.857" v="37"/>
+          <ac:picMkLst>
+            <pc:docMk/>
+            <pc:sldMk cId="2182182379" sldId="260"/>
+            <ac:picMk id="15" creationId="{C0F5F5DE-9A1F-D5DF-A9C9-D08700D21A01}"/>
+          </ac:picMkLst>
+        </pc:picChg>
+        <pc:picChg chg="mod">
+          <ac:chgData name="Joshua Rawlings" userId="dd65f35dd223fa39" providerId="Windows Live" clId="Web-{C05BE052-1021-412B-B400-7259B9239977}" dt="2024-02-12T22:23:36.763" v="38"/>
+          <ac:picMkLst>
+            <pc:docMk/>
+            <pc:sldMk cId="2182182379" sldId="260"/>
+            <ac:picMk id="18" creationId="{6E3EC1B6-4B1C-027A-72B2-34E18D0C38DC}"/>
+          </ac:picMkLst>
+        </pc:picChg>
+        <pc:picChg chg="mod">
+          <ac:chgData name="Joshua Rawlings" userId="dd65f35dd223fa39" providerId="Windows Live" clId="Web-{C05BE052-1021-412B-B400-7259B9239977}" dt="2024-02-12T22:23:38.795" v="39"/>
+          <ac:picMkLst>
+            <pc:docMk/>
+            <pc:sldMk cId="2182182379" sldId="260"/>
+            <ac:picMk id="20" creationId="{457DBBAC-DFC3-C867-9BA1-CE874B2C1E41}"/>
+          </ac:picMkLst>
+        </pc:picChg>
+      </pc:sldChg>
+      <pc:sldChg chg="delSp new del">
+        <pc:chgData name="Joshua Rawlings" userId="dd65f35dd223fa39" providerId="Windows Live" clId="Web-{C05BE052-1021-412B-B400-7259B9239977}" dt="2024-02-12T22:12:34.196" v="4"/>
+        <pc:sldMkLst>
+          <pc:docMk/>
+          <pc:sldMk cId="2187335072" sldId="260"/>
+        </pc:sldMkLst>
+        <pc:spChg chg="del">
+          <ac:chgData name="Joshua Rawlings" userId="dd65f35dd223fa39" providerId="Windows Live" clId="Web-{C05BE052-1021-412B-B400-7259B9239977}" dt="2024-02-12T22:12:30.118" v="1"/>
+          <ac:spMkLst>
+            <pc:docMk/>
+            <pc:sldMk cId="2187335072" sldId="260"/>
+            <ac:spMk id="2" creationId="{07372259-6764-F4F7-3EB1-3593E58777A9}"/>
+          </ac:spMkLst>
+        </pc:spChg>
+        <pc:spChg chg="del">
+          <ac:chgData name="Joshua Rawlings" userId="dd65f35dd223fa39" providerId="Windows Live" clId="Web-{C05BE052-1021-412B-B400-7259B9239977}" dt="2024-02-12T22:12:30.853" v="2"/>
+          <ac:spMkLst>
+            <pc:docMk/>
+            <pc:sldMk cId="2187335072" sldId="260"/>
+            <ac:spMk id="3" creationId="{D64B1629-9A59-0EE9-CDB3-DF1D76D614D5}"/>
+          </ac:spMkLst>
+        </pc:spChg>
+      </pc:sldChg>
+      <pc:sldChg chg="addSp delSp modSp new">
+        <pc:chgData name="Joshua Rawlings" userId="dd65f35dd223fa39" providerId="Windows Live" clId="Web-{C05BE052-1021-412B-B400-7259B9239977}" dt="2024-02-12T22:24:46.125" v="55" actId="1076"/>
+        <pc:sldMkLst>
+          <pc:docMk/>
+          <pc:sldMk cId="2462558194" sldId="260"/>
+        </pc:sldMkLst>
+        <pc:spChg chg="del">
+          <ac:chgData name="Joshua Rawlings" userId="dd65f35dd223fa39" providerId="Windows Live" clId="Web-{C05BE052-1021-412B-B400-7259B9239977}" dt="2024-02-12T22:24:41.156" v="46"/>
+          <ac:spMkLst>
+            <pc:docMk/>
+            <pc:sldMk cId="2462558194" sldId="260"/>
+            <ac:spMk id="3" creationId="{CAC670B2-1344-4484-2FD0-43EA03DB0F07}"/>
+          </ac:spMkLst>
+        </pc:spChg>
+        <pc:picChg chg="add mod ord">
+          <ac:chgData name="Joshua Rawlings" userId="dd65f35dd223fa39" providerId="Windows Live" clId="Web-{C05BE052-1021-412B-B400-7259B9239977}" dt="2024-02-12T22:24:46.125" v="55" actId="1076"/>
+          <ac:picMkLst>
+            <pc:docMk/>
+            <pc:sldMk cId="2462558194" sldId="260"/>
+            <ac:picMk id="4" creationId="{295F1503-AD49-F255-FFFC-FD2AA11495DD}"/>
+          </ac:picMkLst>
+        </pc:picChg>
+        <pc:picChg chg="add mod">
+          <ac:chgData name="Joshua Rawlings" userId="dd65f35dd223fa39" providerId="Windows Live" clId="Web-{C05BE052-1021-412B-B400-7259B9239977}" dt="2024-02-12T22:24:45.672" v="54" actId="1076"/>
+          <ac:picMkLst>
+            <pc:docMk/>
+            <pc:sldMk cId="2462558194" sldId="260"/>
+            <ac:picMk id="5" creationId="{1695289B-524A-2728-3A7D-0DEDC6478E7C}"/>
+          </ac:picMkLst>
+        </pc:picChg>
+        <pc:picChg chg="add mod">
+          <ac:chgData name="Joshua Rawlings" userId="dd65f35dd223fa39" providerId="Windows Live" clId="Web-{C05BE052-1021-412B-B400-7259B9239977}" dt="2024-02-12T22:24:44.390" v="53" actId="1076"/>
+          <ac:picMkLst>
+            <pc:docMk/>
+            <pc:sldMk cId="2462558194" sldId="260"/>
+            <ac:picMk id="6" creationId="{8D48B65D-C62C-36CE-B04A-4F609E7B5123}"/>
+          </ac:picMkLst>
+        </pc:picChg>
+        <pc:picChg chg="add mod">
+          <ac:chgData name="Joshua Rawlings" userId="dd65f35dd223fa39" providerId="Windows Live" clId="Web-{C05BE052-1021-412B-B400-7259B9239977}" dt="2024-02-12T22:24:44.062" v="52" actId="1076"/>
+          <ac:picMkLst>
+            <pc:docMk/>
+            <pc:sldMk cId="2462558194" sldId="260"/>
+            <ac:picMk id="7" creationId="{1529F6BC-43E1-7354-F428-D6F9AF6CCD18}"/>
+          </ac:picMkLst>
+        </pc:picChg>
+        <pc:picChg chg="add mod">
+          <ac:chgData name="Joshua Rawlings" userId="dd65f35dd223fa39" providerId="Windows Live" clId="Web-{C05BE052-1021-412B-B400-7259B9239977}" dt="2024-02-12T22:24:44.015" v="51" actId="1076"/>
+          <ac:picMkLst>
+            <pc:docMk/>
+            <pc:sldMk cId="2462558194" sldId="260"/>
+            <ac:picMk id="8" creationId="{99A4E5E9-1FEE-14D6-41CE-8BE96057A329}"/>
+          </ac:picMkLst>
+        </pc:picChg>
+      </pc:sldChg>
+      <pc:sldChg chg="addSp delSp modSp add del replId">
+        <pc:chgData name="Joshua Rawlings" userId="dd65f35dd223fa39" providerId="Windows Live" clId="Web-{C05BE052-1021-412B-B400-7259B9239977}" dt="2024-02-12T22:23:15.716" v="29"/>
+        <pc:sldMkLst>
+          <pc:docMk/>
+          <pc:sldMk cId="1375525206" sldId="261"/>
+        </pc:sldMkLst>
+        <pc:spChg chg="mod">
+          <ac:chgData name="Joshua Rawlings" userId="dd65f35dd223fa39" providerId="Windows Live" clId="Web-{C05BE052-1021-412B-B400-7259B9239977}" dt="2024-02-12T22:20:30.820" v="13" actId="20577"/>
+          <ac:spMkLst>
+            <pc:docMk/>
+            <pc:sldMk cId="1375525206" sldId="261"/>
+            <ac:spMk id="4" creationId="{4564C267-AE96-ED0E-7FC9-FD23FDDA2CA5}"/>
+          </ac:spMkLst>
+        </pc:spChg>
+        <pc:spChg chg="del">
+          <ac:chgData name="Joshua Rawlings" userId="dd65f35dd223fa39" providerId="Windows Live" clId="Web-{C05BE052-1021-412B-B400-7259B9239977}" dt="2024-02-12T22:18:17.691" v="9"/>
+          <ac:spMkLst>
+            <pc:docMk/>
+            <pc:sldMk cId="1375525206" sldId="261"/>
+            <ac:spMk id="16" creationId="{36CED4E2-E91E-C668-4B98-F1F2BA9278D3}"/>
+          </ac:spMkLst>
+        </pc:spChg>
+        <pc:spChg chg="del">
+          <ac:chgData name="Joshua Rawlings" userId="dd65f35dd223fa39" providerId="Windows Live" clId="Web-{C05BE052-1021-412B-B400-7259B9239977}" dt="2024-02-12T22:18:19.551" v="11"/>
+          <ac:spMkLst>
+            <pc:docMk/>
+            <pc:sldMk cId="1375525206" sldId="261"/>
+            <ac:spMk id="22" creationId="{8809BF39-0817-97E0-D8F2-84A8BA2E8F7B}"/>
+          </ac:spMkLst>
+        </pc:spChg>
+        <pc:spChg chg="del">
+          <ac:chgData name="Joshua Rawlings" userId="dd65f35dd223fa39" providerId="Windows Live" clId="Web-{C05BE052-1021-412B-B400-7259B9239977}" dt="2024-02-12T22:18:18.597" v="10"/>
+          <ac:spMkLst>
+            <pc:docMk/>
+            <pc:sldMk cId="1375525206" sldId="261"/>
+            <ac:spMk id="26" creationId="{2731B9C8-D5DE-954A-05A1-B2C5897D9ED4}"/>
+          </ac:spMkLst>
+        </pc:spChg>
+        <pc:picChg chg="add del mod">
+          <ac:chgData name="Joshua Rawlings" userId="dd65f35dd223fa39" providerId="Windows Live" clId="Web-{C05BE052-1021-412B-B400-7259B9239977}" dt="2024-02-12T22:20:56.368" v="22"/>
+          <ac:picMkLst>
+            <pc:docMk/>
+            <pc:sldMk cId="1375525206" sldId="261"/>
+            <ac:picMk id="2" creationId="{EDC1143C-3F62-E4B2-DBF5-431B5C85528C}"/>
+          </ac:picMkLst>
+        </pc:picChg>
+        <pc:picChg chg="add del mod">
+          <ac:chgData name="Joshua Rawlings" userId="dd65f35dd223fa39" providerId="Windows Live" clId="Web-{C05BE052-1021-412B-B400-7259B9239977}" dt="2024-02-12T22:20:57.618" v="23"/>
+          <ac:picMkLst>
+            <pc:docMk/>
+            <pc:sldMk cId="1375525206" sldId="261"/>
+            <ac:picMk id="3" creationId="{45BA34A9-7401-EBB0-0E15-E138069B5D5D}"/>
+          </ac:picMkLst>
+        </pc:picChg>
+        <pc:picChg chg="add del mod">
+          <ac:chgData name="Joshua Rawlings" userId="dd65f35dd223fa39" providerId="Windows Live" clId="Web-{C05BE052-1021-412B-B400-7259B9239977}" dt="2024-02-12T22:20:59.118" v="25"/>
+          <ac:picMkLst>
+            <pc:docMk/>
+            <pc:sldMk cId="1375525206" sldId="261"/>
+            <ac:picMk id="5" creationId="{6A4D1A69-1167-4A65-4B01-7D063FB3E887}"/>
+          </ac:picMkLst>
+        </pc:picChg>
+        <pc:picChg chg="add del mod">
+          <ac:chgData name="Joshua Rawlings" userId="dd65f35dd223fa39" providerId="Windows Live" clId="Web-{C05BE052-1021-412B-B400-7259B9239977}" dt="2024-02-12T22:20:58.727" v="24"/>
+          <ac:picMkLst>
+            <pc:docMk/>
+            <pc:sldMk cId="1375525206" sldId="261"/>
+            <ac:picMk id="9" creationId="{1E065F5C-F3A0-B56F-A362-0D0C8365251A}"/>
+          </ac:picMkLst>
+        </pc:picChg>
+        <pc:picChg chg="add del mod">
+          <ac:chgData name="Joshua Rawlings" userId="dd65f35dd223fa39" providerId="Windows Live" clId="Web-{C05BE052-1021-412B-B400-7259B9239977}" dt="2024-02-12T22:23:10.981" v="28"/>
+          <ac:picMkLst>
+            <pc:docMk/>
+            <pc:sldMk cId="1375525206" sldId="261"/>
+            <ac:picMk id="10" creationId="{31CD6C16-206B-BEBA-9D03-3427CA9A45E6}"/>
+          </ac:picMkLst>
+        </pc:picChg>
+        <pc:picChg chg="del">
+          <ac:chgData name="Joshua Rawlings" userId="dd65f35dd223fa39" providerId="Windows Live" clId="Web-{C05BE052-1021-412B-B400-7259B9239977}" dt="2024-02-12T22:18:14.644" v="5"/>
+          <ac:picMkLst>
+            <pc:docMk/>
+            <pc:sldMk cId="1375525206" sldId="261"/>
+            <ac:picMk id="13" creationId="{519C2ECD-733D-C3E7-D8AD-10843ED56526}"/>
+          </ac:picMkLst>
+        </pc:picChg>
+        <pc:picChg chg="del">
+          <ac:chgData name="Joshua Rawlings" userId="dd65f35dd223fa39" providerId="Windows Live" clId="Web-{C05BE052-1021-412B-B400-7259B9239977}" dt="2024-02-12T22:18:16.129" v="7"/>
+          <ac:picMkLst>
+            <pc:docMk/>
+            <pc:sldMk cId="1375525206" sldId="261"/>
+            <ac:picMk id="15" creationId="{C0F5F5DE-9A1F-D5DF-A9C9-D08700D21A01}"/>
+          </ac:picMkLst>
+        </pc:picChg>
+        <pc:picChg chg="del">
+          <ac:chgData name="Joshua Rawlings" userId="dd65f35dd223fa39" providerId="Windows Live" clId="Web-{C05BE052-1021-412B-B400-7259B9239977}" dt="2024-02-12T22:18:15.722" v="6"/>
+          <ac:picMkLst>
+            <pc:docMk/>
+            <pc:sldMk cId="1375525206" sldId="261"/>
+            <ac:picMk id="18" creationId="{6E3EC1B6-4B1C-027A-72B2-34E18D0C38DC}"/>
+          </ac:picMkLst>
+        </pc:picChg>
+        <pc:picChg chg="del">
+          <ac:chgData name="Joshua Rawlings" userId="dd65f35dd223fa39" providerId="Windows Live" clId="Web-{C05BE052-1021-412B-B400-7259B9239977}" dt="2024-02-12T22:18:16.629" v="8"/>
+          <ac:picMkLst>
+            <pc:docMk/>
+            <pc:sldMk cId="1375525206" sldId="261"/>
+            <ac:picMk id="20" creationId="{457DBBAC-DFC3-C867-9BA1-CE874B2C1E41}"/>
           </ac:picMkLst>
         </pc:picChg>
       </pc:sldChg>
@@ -735,7 +1235,7 @@
           <a:p>
             <a:fld id="{E237FE00-4FDC-48A0-9AB7-52EA7DB5D941}" type="datetimeFigureOut">
               <a:rPr lang="en-GB" smtClean="0"/>
-              <a:t>08/02/2024</a:t>
+              <a:t>12/02/2024</a:t>
             </a:fld>
             <a:endParaRPr lang="en-GB"/>
           </a:p>
@@ -1132,7 +1632,7 @@
           <a:p>
             <a:fld id="{EF1C9778-6822-44B1-81C4-482D8C118E15}" type="datetimeFigureOut">
               <a:rPr lang="en-GB" smtClean="0"/>
-              <a:t>08/02/2024</a:t>
+              <a:t>12/02/2024</a:t>
             </a:fld>
             <a:endParaRPr lang="en-GB"/>
           </a:p>
@@ -1300,7 +1800,7 @@
           <a:p>
             <a:fld id="{EF1C9778-6822-44B1-81C4-482D8C118E15}" type="datetimeFigureOut">
               <a:rPr lang="en-GB" smtClean="0"/>
-              <a:t>08/02/2024</a:t>
+              <a:t>12/02/2024</a:t>
             </a:fld>
             <a:endParaRPr lang="en-GB"/>
           </a:p>
@@ -1478,7 +1978,7 @@
           <a:p>
             <a:fld id="{EF1C9778-6822-44B1-81C4-482D8C118E15}" type="datetimeFigureOut">
               <a:rPr lang="en-GB" smtClean="0"/>
-              <a:t>08/02/2024</a:t>
+              <a:t>12/02/2024</a:t>
             </a:fld>
             <a:endParaRPr lang="en-GB"/>
           </a:p>
@@ -1646,7 +2146,7 @@
           <a:p>
             <a:fld id="{EF1C9778-6822-44B1-81C4-482D8C118E15}" type="datetimeFigureOut">
               <a:rPr lang="en-GB" smtClean="0"/>
-              <a:t>08/02/2024</a:t>
+              <a:t>12/02/2024</a:t>
             </a:fld>
             <a:endParaRPr lang="en-GB"/>
           </a:p>
@@ -1889,7 +2389,7 @@
           <a:p>
             <a:fld id="{EF1C9778-6822-44B1-81C4-482D8C118E15}" type="datetimeFigureOut">
               <a:rPr lang="en-GB" smtClean="0"/>
-              <a:t>08/02/2024</a:t>
+              <a:t>12/02/2024</a:t>
             </a:fld>
             <a:endParaRPr lang="en-GB"/>
           </a:p>
@@ -2118,7 +2618,7 @@
           <a:p>
             <a:fld id="{EF1C9778-6822-44B1-81C4-482D8C118E15}" type="datetimeFigureOut">
               <a:rPr lang="en-GB" smtClean="0"/>
-              <a:t>08/02/2024</a:t>
+              <a:t>12/02/2024</a:t>
             </a:fld>
             <a:endParaRPr lang="en-GB"/>
           </a:p>
@@ -2482,7 +2982,7 @@
           <a:p>
             <a:fld id="{EF1C9778-6822-44B1-81C4-482D8C118E15}" type="datetimeFigureOut">
               <a:rPr lang="en-GB" smtClean="0"/>
-              <a:t>08/02/2024</a:t>
+              <a:t>12/02/2024</a:t>
             </a:fld>
             <a:endParaRPr lang="en-GB"/>
           </a:p>
@@ -2599,7 +3099,7 @@
           <a:p>
             <a:fld id="{EF1C9778-6822-44B1-81C4-482D8C118E15}" type="datetimeFigureOut">
               <a:rPr lang="en-GB" smtClean="0"/>
-              <a:t>08/02/2024</a:t>
+              <a:t>12/02/2024</a:t>
             </a:fld>
             <a:endParaRPr lang="en-GB"/>
           </a:p>
@@ -2694,7 +3194,7 @@
           <a:p>
             <a:fld id="{EF1C9778-6822-44B1-81C4-482D8C118E15}" type="datetimeFigureOut">
               <a:rPr lang="en-GB" smtClean="0"/>
-              <a:t>08/02/2024</a:t>
+              <a:t>12/02/2024</a:t>
             </a:fld>
             <a:endParaRPr lang="en-GB"/>
           </a:p>
@@ -2969,7 +3469,7 @@
           <a:p>
             <a:fld id="{EF1C9778-6822-44B1-81C4-482D8C118E15}" type="datetimeFigureOut">
               <a:rPr lang="en-GB" smtClean="0"/>
-              <a:t>08/02/2024</a:t>
+              <a:t>12/02/2024</a:t>
             </a:fld>
             <a:endParaRPr lang="en-GB"/>
           </a:p>
@@ -3224,7 +3724,7 @@
           <a:p>
             <a:fld id="{EF1C9778-6822-44B1-81C4-482D8C118E15}" type="datetimeFigureOut">
               <a:rPr lang="en-GB" smtClean="0"/>
-              <a:t>08/02/2024</a:t>
+              <a:t>12/02/2024</a:t>
             </a:fld>
             <a:endParaRPr lang="en-GB"/>
           </a:p>
@@ -3435,7 +3935,7 @@
           <a:p>
             <a:fld id="{EF1C9778-6822-44B1-81C4-482D8C118E15}" type="datetimeFigureOut">
               <a:rPr lang="en-GB" smtClean="0"/>
-              <a:t>08/02/2024</a:t>
+              <a:t>12/02/2024</a:t>
             </a:fld>
             <a:endParaRPr lang="en-GB"/>
           </a:p>
@@ -3981,7 +4481,7 @@
                 </a:solidFill>
               </a:rPr>
               <a:pPr/>
-              <a:t>08/02/2024</a:t>
+              <a:t>12/02/2024</a:t>
             </a:fld>
             <a:endParaRPr lang="en-GB">
               <a:solidFill>
@@ -4426,7 +4926,7 @@
                 </a:solidFill>
               </a:rPr>
               <a:pPr/>
-              <a:t>08/02/2024</a:t>
+              <a:t>12/02/2024</a:t>
             </a:fld>
             <a:endParaRPr lang="en-GB">
               <a:solidFill>
@@ -4989,7 +5489,7 @@
                 </a:solidFill>
               </a:rPr>
               <a:pPr/>
-              <a:t>08/02/2024</a:t>
+              <a:t>12/02/2024</a:t>
             </a:fld>
             <a:endParaRPr lang="en-GB">
               <a:solidFill>
@@ -5309,6 +5809,862 @@
     <p:extLst>
       <p:ext uri="{BB962C8B-B14F-4D97-AF65-F5344CB8AC3E}">
         <p14:creationId xmlns:p14="http://schemas.microsoft.com/office/powerpoint/2010/main" val="3041206637"/>
+      </p:ext>
+    </p:extLst>
+  </p:cSld>
+  <p:clrMapOvr>
+    <a:masterClrMapping/>
+  </p:clrMapOvr>
+</p:sld>
+</file>
+
+<file path=ppt/slides/slide4.xml><?xml version="1.0" encoding="utf-8"?>
+<p:sld xmlns:a="http://schemas.openxmlformats.org/drawingml/2006/main" xmlns:r="http://schemas.openxmlformats.org/officeDocument/2006/relationships" xmlns:p="http://schemas.openxmlformats.org/presentationml/2006/main">
+  <p:cSld>
+    <p:spTree>
+      <p:nvGrpSpPr>
+        <p:cNvPr id="1" name=""/>
+        <p:cNvGrpSpPr/>
+        <p:nvPr/>
+      </p:nvGrpSpPr>
+      <p:grpSpPr>
+        <a:xfrm>
+          <a:off x="0" y="0"/>
+          <a:ext cx="0" cy="0"/>
+          <a:chOff x="0" y="0"/>
+          <a:chExt cx="0" cy="0"/>
+        </a:xfrm>
+      </p:grpSpPr>
+      <p:pic>
+        <p:nvPicPr>
+          <p:cNvPr id="5" name="Picture 4" descr="A graph of blue lines&#10;&#10;Description automatically generated">
+            <a:extLst>
+              <a:ext uri="{FF2B5EF4-FFF2-40B4-BE49-F238E27FC236}">
+                <a16:creationId xmlns:a16="http://schemas.microsoft.com/office/drawing/2014/main" id="{235E80E2-D0D6-752E-2E7F-1B49AA859979}"/>
+              </a:ext>
+            </a:extLst>
+          </p:cNvPr>
+          <p:cNvPicPr>
+            <a:picLocks/>
+          </p:cNvPicPr>
+          <p:nvPr/>
+        </p:nvPicPr>
+        <p:blipFill>
+          <a:blip r:embed="rId2"/>
+          <a:stretch>
+            <a:fillRect/>
+          </a:stretch>
+        </p:blipFill>
+        <p:spPr>
+          <a:xfrm>
+            <a:off x="181365" y="3582192"/>
+            <a:ext cx="4320000" cy="2520000"/>
+          </a:xfrm>
+          <a:prstGeom prst="rect">
+            <a:avLst/>
+          </a:prstGeom>
+        </p:spPr>
+      </p:pic>
+      <p:pic>
+        <p:nvPicPr>
+          <p:cNvPr id="3" name="Content Placeholder 3" descr="A graph of different colored bars&#10;&#10;Description automatically generated">
+            <a:extLst>
+              <a:ext uri="{FF2B5EF4-FFF2-40B4-BE49-F238E27FC236}">
+                <a16:creationId xmlns:a16="http://schemas.microsoft.com/office/drawing/2014/main" id="{B96DF460-3983-A35E-523C-127AB4C8CC8A}"/>
+              </a:ext>
+            </a:extLst>
+          </p:cNvPr>
+          <p:cNvPicPr>
+            <a:picLocks/>
+          </p:cNvPicPr>
+          <p:nvPr/>
+        </p:nvPicPr>
+        <p:blipFill>
+          <a:blip r:embed="rId3"/>
+          <a:stretch>
+            <a:fillRect/>
+          </a:stretch>
+        </p:blipFill>
+        <p:spPr>
+          <a:xfrm>
+            <a:off x="4614508" y="757392"/>
+            <a:ext cx="4320000" cy="2520000"/>
+          </a:xfrm>
+          <a:prstGeom prst="rect">
+            <a:avLst/>
+          </a:prstGeom>
+        </p:spPr>
+      </p:pic>
+      <p:pic>
+        <p:nvPicPr>
+          <p:cNvPr id="2" name="Picture 1" descr="A graph with blue lines&#10;&#10;Description automatically generated">
+            <a:extLst>
+              <a:ext uri="{FF2B5EF4-FFF2-40B4-BE49-F238E27FC236}">
+                <a16:creationId xmlns:a16="http://schemas.microsoft.com/office/drawing/2014/main" id="{12FDF49C-BCDA-F88F-A2A5-5D8D30901298}"/>
+              </a:ext>
+            </a:extLst>
+          </p:cNvPr>
+          <p:cNvPicPr>
+            <a:picLocks/>
+          </p:cNvPicPr>
+          <p:nvPr/>
+        </p:nvPicPr>
+        <p:blipFill>
+          <a:blip r:embed="rId4"/>
+          <a:stretch>
+            <a:fillRect/>
+          </a:stretch>
+        </p:blipFill>
+        <p:spPr>
+          <a:xfrm>
+            <a:off x="223415" y="763357"/>
+            <a:ext cx="4320000" cy="2520000"/>
+          </a:xfrm>
+          <a:prstGeom prst="rect">
+            <a:avLst/>
+          </a:prstGeom>
+        </p:spPr>
+      </p:pic>
+      <p:sp>
+        <p:nvSpPr>
+          <p:cNvPr id="6" name="Rectangle 5">
+            <a:extLst>
+              <a:ext uri="{FF2B5EF4-FFF2-40B4-BE49-F238E27FC236}">
+                <a16:creationId xmlns:a16="http://schemas.microsoft.com/office/drawing/2014/main" id="{932EB910-F90F-6FF0-82B7-A58E30713FAE}"/>
+              </a:ext>
+            </a:extLst>
+          </p:cNvPr>
+          <p:cNvSpPr/>
+          <p:nvPr/>
+        </p:nvSpPr>
+        <p:spPr>
+          <a:xfrm>
+            <a:off x="0" y="6526883"/>
+            <a:ext cx="9144000" cy="360000"/>
+          </a:xfrm>
+          <a:prstGeom prst="rect">
+            <a:avLst/>
+          </a:prstGeom>
+          <a:solidFill>
+            <a:srgbClr val="D9292A"/>
+          </a:solidFill>
+          <a:ln>
+            <a:noFill/>
+          </a:ln>
+        </p:spPr>
+        <p:style>
+          <a:lnRef idx="2">
+            <a:schemeClr val="accent1">
+              <a:shade val="15000"/>
+            </a:schemeClr>
+          </a:lnRef>
+          <a:fillRef idx="1">
+            <a:schemeClr val="accent1"/>
+          </a:fillRef>
+          <a:effectRef idx="0">
+            <a:schemeClr val="accent1"/>
+          </a:effectRef>
+          <a:fontRef idx="minor">
+            <a:schemeClr val="lt1"/>
+          </a:fontRef>
+        </p:style>
+        <p:txBody>
+          <a:bodyPr rtlCol="0" anchor="ctr"/>
+          <a:lstStyle/>
+          <a:p>
+            <a:pPr algn="ctr"/>
+            <a:endParaRPr lang="en-GB"/>
+          </a:p>
+        </p:txBody>
+      </p:sp>
+      <p:sp>
+        <p:nvSpPr>
+          <p:cNvPr id="7" name="Date Placeholder 6">
+            <a:extLst>
+              <a:ext uri="{FF2B5EF4-FFF2-40B4-BE49-F238E27FC236}">
+                <a16:creationId xmlns:a16="http://schemas.microsoft.com/office/drawing/2014/main" id="{2AEFF4D9-D8C4-5B2D-3B84-EB9355A95E0E}"/>
+              </a:ext>
+            </a:extLst>
+          </p:cNvPr>
+          <p:cNvSpPr>
+            <a:spLocks noGrp="1"/>
+          </p:cNvSpPr>
+          <p:nvPr>
+            <p:ph type="dt" sz="half" idx="10"/>
+          </p:nvPr>
+        </p:nvSpPr>
+        <p:spPr>
+          <a:xfrm>
+            <a:off x="0" y="6529897"/>
+            <a:ext cx="1800000" cy="360000"/>
+          </a:xfrm>
+        </p:spPr>
+        <p:txBody>
+          <a:bodyPr/>
+          <a:lstStyle/>
+          <a:p>
+            <a:fld id="{F7413FB0-400C-4C02-98F2-6D7A55B22557}" type="datetime1">
+              <a:rPr lang="en-GB" smtClean="0">
+                <a:solidFill>
+                  <a:schemeClr val="bg1"/>
+                </a:solidFill>
+              </a:rPr>
+              <a:pPr/>
+              <a:t>12/02/2024</a:t>
+            </a:fld>
+            <a:endParaRPr lang="en-GB">
+              <a:solidFill>
+                <a:schemeClr val="bg1"/>
+              </a:solidFill>
+            </a:endParaRPr>
+          </a:p>
+        </p:txBody>
+      </p:sp>
+      <p:sp>
+        <p:nvSpPr>
+          <p:cNvPr id="8" name="Slide Number Placeholder 7">
+            <a:extLst>
+              <a:ext uri="{FF2B5EF4-FFF2-40B4-BE49-F238E27FC236}">
+                <a16:creationId xmlns:a16="http://schemas.microsoft.com/office/drawing/2014/main" id="{BC83B7D5-28BF-6BD6-6394-621D495E9301}"/>
+              </a:ext>
+            </a:extLst>
+          </p:cNvPr>
+          <p:cNvSpPr>
+            <a:spLocks noGrp="1"/>
+          </p:cNvSpPr>
+          <p:nvPr>
+            <p:ph type="sldNum" sz="quarter" idx="12"/>
+          </p:nvPr>
+        </p:nvSpPr>
+        <p:spPr>
+          <a:xfrm>
+            <a:off x="7344000" y="6526883"/>
+            <a:ext cx="1800000" cy="360000"/>
+          </a:xfrm>
+        </p:spPr>
+        <p:txBody>
+          <a:bodyPr/>
+          <a:lstStyle/>
+          <a:p>
+            <a:fld id="{3363D929-1278-4F6D-962C-CF1E2071BFF1}" type="slidenum">
+              <a:rPr lang="en-GB" smtClean="0">
+                <a:solidFill>
+                  <a:schemeClr val="bg1"/>
+                </a:solidFill>
+              </a:rPr>
+              <a:pPr/>
+              <a:t>4</a:t>
+            </a:fld>
+            <a:endParaRPr lang="en-GB">
+              <a:solidFill>
+                <a:schemeClr val="bg1"/>
+              </a:solidFill>
+            </a:endParaRPr>
+          </a:p>
+        </p:txBody>
+      </p:sp>
+      <p:sp>
+        <p:nvSpPr>
+          <p:cNvPr id="11" name="Wave 10">
+            <a:extLst>
+              <a:ext uri="{FF2B5EF4-FFF2-40B4-BE49-F238E27FC236}">
+                <a16:creationId xmlns:a16="http://schemas.microsoft.com/office/drawing/2014/main" id="{0A89ACE0-C937-5CC4-6885-77BF5820D1B0}"/>
+              </a:ext>
+            </a:extLst>
+          </p:cNvPr>
+          <p:cNvSpPr/>
+          <p:nvPr/>
+        </p:nvSpPr>
+        <p:spPr>
+          <a:xfrm>
+            <a:off x="0" y="-3014"/>
+            <a:ext cx="9144000" cy="841829"/>
+          </a:xfrm>
+          <a:prstGeom prst="wave">
+            <a:avLst>
+              <a:gd name="adj1" fmla="val 12500"/>
+              <a:gd name="adj2" fmla="val 0"/>
+            </a:avLst>
+          </a:prstGeom>
+          <a:solidFill>
+            <a:srgbClr val="D9292A"/>
+          </a:solidFill>
+          <a:ln>
+            <a:noFill/>
+          </a:ln>
+        </p:spPr>
+        <p:style>
+          <a:lnRef idx="2">
+            <a:schemeClr val="accent1">
+              <a:shade val="15000"/>
+            </a:schemeClr>
+          </a:lnRef>
+          <a:fillRef idx="1">
+            <a:schemeClr val="accent1"/>
+          </a:fillRef>
+          <a:effectRef idx="0">
+            <a:schemeClr val="accent1"/>
+          </a:effectRef>
+          <a:fontRef idx="minor">
+            <a:schemeClr val="lt1"/>
+          </a:fontRef>
+        </p:style>
+        <p:txBody>
+          <a:bodyPr rtlCol="0" anchor="ctr"/>
+          <a:lstStyle/>
+          <a:p>
+            <a:pPr algn="ctr"/>
+            <a:endParaRPr lang="en-GB"/>
+          </a:p>
+        </p:txBody>
+      </p:sp>
+      <p:sp>
+        <p:nvSpPr>
+          <p:cNvPr id="12" name="Rectangle 11">
+            <a:extLst>
+              <a:ext uri="{FF2B5EF4-FFF2-40B4-BE49-F238E27FC236}">
+                <a16:creationId xmlns:a16="http://schemas.microsoft.com/office/drawing/2014/main" id="{98CC5663-5B38-2689-AC9E-61E5A65E0355}"/>
+              </a:ext>
+            </a:extLst>
+          </p:cNvPr>
+          <p:cNvSpPr/>
+          <p:nvPr/>
+        </p:nvSpPr>
+        <p:spPr>
+          <a:xfrm>
+            <a:off x="0" y="0"/>
+            <a:ext cx="9144000" cy="609600"/>
+          </a:xfrm>
+          <a:prstGeom prst="rect">
+            <a:avLst/>
+          </a:prstGeom>
+          <a:solidFill>
+            <a:srgbClr val="D9292A"/>
+          </a:solidFill>
+          <a:ln>
+            <a:noFill/>
+          </a:ln>
+        </p:spPr>
+        <p:style>
+          <a:lnRef idx="2">
+            <a:schemeClr val="accent1">
+              <a:shade val="15000"/>
+            </a:schemeClr>
+          </a:lnRef>
+          <a:fillRef idx="1">
+            <a:schemeClr val="accent1"/>
+          </a:fillRef>
+          <a:effectRef idx="0">
+            <a:schemeClr val="accent1"/>
+          </a:effectRef>
+          <a:fontRef idx="minor">
+            <a:schemeClr val="lt1"/>
+          </a:fontRef>
+        </p:style>
+        <p:txBody>
+          <a:bodyPr rtlCol="0" anchor="ctr"/>
+          <a:lstStyle/>
+          <a:p>
+            <a:pPr algn="ctr"/>
+            <a:endParaRPr lang="en-GB"/>
+          </a:p>
+        </p:txBody>
+      </p:sp>
+      <p:sp>
+        <p:nvSpPr>
+          <p:cNvPr id="16" name="TextBox 15">
+            <a:extLst>
+              <a:ext uri="{FF2B5EF4-FFF2-40B4-BE49-F238E27FC236}">
+                <a16:creationId xmlns:a16="http://schemas.microsoft.com/office/drawing/2014/main" id="{36CED4E2-E91E-C668-4B98-F1F2BA9278D3}"/>
+              </a:ext>
+            </a:extLst>
+          </p:cNvPr>
+          <p:cNvSpPr txBox="1"/>
+          <p:nvPr/>
+        </p:nvSpPr>
+        <p:spPr>
+          <a:xfrm>
+            <a:off x="217220" y="3198908"/>
+            <a:ext cx="4320000" cy="461665"/>
+          </a:xfrm>
+          <a:prstGeom prst="rect">
+            <a:avLst/>
+          </a:prstGeom>
+          <a:noFill/>
+          <a:ln>
+            <a:noFill/>
+          </a:ln>
+        </p:spPr>
+        <p:txBody>
+          <a:bodyPr wrap="square" rtlCol="0">
+            <a:spAutoFit/>
+          </a:bodyPr>
+          <a:lstStyle/>
+          <a:p>
+            <a:pPr algn="ctr"/>
+            <a:r>
+              <a:rPr lang="en-GB" sz="1200"/>
+              <a:t>In my dataset there is negative correlation between the average number of trips and humidity</a:t>
+            </a:r>
+          </a:p>
+        </p:txBody>
+      </p:sp>
+      <p:sp>
+        <p:nvSpPr>
+          <p:cNvPr id="26" name="TextBox 25">
+            <a:extLst>
+              <a:ext uri="{FF2B5EF4-FFF2-40B4-BE49-F238E27FC236}">
+                <a16:creationId xmlns:a16="http://schemas.microsoft.com/office/drawing/2014/main" id="{2731B9C8-D5DE-954A-05A1-B2C5897D9ED4}"/>
+              </a:ext>
+            </a:extLst>
+          </p:cNvPr>
+          <p:cNvSpPr txBox="1"/>
+          <p:nvPr/>
+        </p:nvSpPr>
+        <p:spPr>
+          <a:xfrm>
+            <a:off x="4536683" y="3198908"/>
+            <a:ext cx="4320000" cy="461665"/>
+          </a:xfrm>
+          <a:prstGeom prst="rect">
+            <a:avLst/>
+          </a:prstGeom>
+          <a:noFill/>
+          <a:ln>
+            <a:noFill/>
+          </a:ln>
+        </p:spPr>
+        <p:txBody>
+          <a:bodyPr wrap="square" rtlCol="0">
+            <a:spAutoFit/>
+          </a:bodyPr>
+          <a:lstStyle/>
+          <a:p>
+            <a:pPr algn="ctr"/>
+            <a:r>
+              <a:rPr lang="en-GB" sz="1200"/>
+              <a:t>There is a positive correlation between temperature – both actual and apparent and number of trips</a:t>
+            </a:r>
+          </a:p>
+        </p:txBody>
+      </p:sp>
+      <p:sp>
+        <p:nvSpPr>
+          <p:cNvPr id="4" name="TextBox 3">
+            <a:extLst>
+              <a:ext uri="{FF2B5EF4-FFF2-40B4-BE49-F238E27FC236}">
+                <a16:creationId xmlns:a16="http://schemas.microsoft.com/office/drawing/2014/main" id="{4564C267-AE96-ED0E-7FC9-FD23FDDA2CA5}"/>
+              </a:ext>
+            </a:extLst>
+          </p:cNvPr>
+          <p:cNvSpPr txBox="1"/>
+          <p:nvPr/>
+        </p:nvSpPr>
+        <p:spPr>
+          <a:xfrm>
+            <a:off x="4607318" y="6102192"/>
+            <a:ext cx="4320000" cy="461665"/>
+          </a:xfrm>
+          <a:prstGeom prst="rect">
+            <a:avLst/>
+          </a:prstGeom>
+          <a:noFill/>
+          <a:ln>
+            <a:noFill/>
+          </a:ln>
+        </p:spPr>
+        <p:txBody>
+          <a:bodyPr wrap="square" rtlCol="0">
+            <a:spAutoFit/>
+          </a:bodyPr>
+          <a:lstStyle/>
+          <a:p>
+            <a:pPr algn="ctr"/>
+            <a:r>
+              <a:rPr lang="en-GB" sz="1200"/>
+              <a:t>The number of bike trips by day looks seasonal and is something we should capture in any model or analysis that consider</a:t>
+            </a:r>
+          </a:p>
+        </p:txBody>
+      </p:sp>
+      <p:sp>
+        <p:nvSpPr>
+          <p:cNvPr id="22" name="TextBox 21">
+            <a:extLst>
+              <a:ext uri="{FF2B5EF4-FFF2-40B4-BE49-F238E27FC236}">
+                <a16:creationId xmlns:a16="http://schemas.microsoft.com/office/drawing/2014/main" id="{8809BF39-0817-97E0-D8F2-84A8BA2E8F7B}"/>
+              </a:ext>
+            </a:extLst>
+          </p:cNvPr>
+          <p:cNvSpPr txBox="1"/>
+          <p:nvPr/>
+        </p:nvSpPr>
+        <p:spPr>
+          <a:xfrm>
+            <a:off x="216682" y="6139166"/>
+            <a:ext cx="4320000" cy="461665"/>
+          </a:xfrm>
+          <a:prstGeom prst="rect">
+            <a:avLst/>
+          </a:prstGeom>
+          <a:noFill/>
+          <a:ln>
+            <a:noFill/>
+          </a:ln>
+        </p:spPr>
+        <p:txBody>
+          <a:bodyPr wrap="square" rtlCol="0">
+            <a:spAutoFit/>
+          </a:bodyPr>
+          <a:lstStyle/>
+          <a:p>
+            <a:pPr algn="ctr"/>
+            <a:r>
+              <a:rPr lang="en-GB" sz="1200"/>
+              <a:t>There isn’t a clear relationship between wind speed and number of bike trips but at higher speeds there are generally less trips.</a:t>
+            </a:r>
+          </a:p>
+        </p:txBody>
+      </p:sp>
+      <p:pic>
+        <p:nvPicPr>
+          <p:cNvPr id="9" name="Picture 8" descr="A blue lines on a white background&#10;&#10;Description automatically generated">
+            <a:extLst>
+              <a:ext uri="{FF2B5EF4-FFF2-40B4-BE49-F238E27FC236}">
+                <a16:creationId xmlns:a16="http://schemas.microsoft.com/office/drawing/2014/main" id="{311635E6-48E2-774A-CC58-36E242C660C9}"/>
+              </a:ext>
+            </a:extLst>
+          </p:cNvPr>
+          <p:cNvPicPr>
+            <a:picLocks/>
+          </p:cNvPicPr>
+          <p:nvPr/>
+        </p:nvPicPr>
+        <p:blipFill>
+          <a:blip r:embed="rId5"/>
+          <a:stretch>
+            <a:fillRect/>
+          </a:stretch>
+        </p:blipFill>
+        <p:spPr>
+          <a:xfrm>
+            <a:off x="4642635" y="3579178"/>
+            <a:ext cx="4320000" cy="2520000"/>
+          </a:xfrm>
+          <a:prstGeom prst="rect">
+            <a:avLst/>
+          </a:prstGeom>
+        </p:spPr>
+      </p:pic>
+    </p:spTree>
+    <p:extLst>
+      <p:ext uri="{BB962C8B-B14F-4D97-AF65-F5344CB8AC3E}">
+        <p14:creationId xmlns:p14="http://schemas.microsoft.com/office/powerpoint/2010/main" val="89270495"/>
+      </p:ext>
+    </p:extLst>
+  </p:cSld>
+  <p:clrMapOvr>
+    <a:masterClrMapping/>
+  </p:clrMapOvr>
+</p:sld>
+</file>
+
+<file path=ppt/slides/slide5.xml><?xml version="1.0" encoding="utf-8"?>
+<p:sld xmlns:a="http://schemas.openxmlformats.org/drawingml/2006/main" xmlns:r="http://schemas.openxmlformats.org/officeDocument/2006/relationships" xmlns:p="http://schemas.openxmlformats.org/presentationml/2006/main">
+  <p:cSld>
+    <p:spTree>
+      <p:nvGrpSpPr>
+        <p:cNvPr id="1" name=""/>
+        <p:cNvGrpSpPr/>
+        <p:nvPr/>
+      </p:nvGrpSpPr>
+      <p:grpSpPr>
+        <a:xfrm>
+          <a:off x="0" y="0"/>
+          <a:ext cx="0" cy="0"/>
+          <a:chOff x="0" y="0"/>
+          <a:chExt cx="0" cy="0"/>
+        </a:xfrm>
+      </p:grpSpPr>
+      <p:pic>
+        <p:nvPicPr>
+          <p:cNvPr id="10" name="Picture 9" descr="A graph showing a number of bikes shared&#10;&#10;Description automatically generated">
+            <a:extLst>
+              <a:ext uri="{FF2B5EF4-FFF2-40B4-BE49-F238E27FC236}">
+                <a16:creationId xmlns:a16="http://schemas.microsoft.com/office/drawing/2014/main" id="{893CA49B-11D2-A386-02D9-4C38664EE0E3}"/>
+              </a:ext>
+            </a:extLst>
+          </p:cNvPr>
+          <p:cNvPicPr>
+            <a:picLocks/>
+          </p:cNvPicPr>
+          <p:nvPr/>
+        </p:nvPicPr>
+        <p:blipFill>
+          <a:blip r:embed="rId2"/>
+          <a:stretch>
+            <a:fillRect/>
+          </a:stretch>
+        </p:blipFill>
+        <p:spPr>
+          <a:xfrm>
+            <a:off x="306076" y="1072679"/>
+            <a:ext cx="8531847" cy="4712641"/>
+          </a:xfrm>
+          <a:prstGeom prst="rect">
+            <a:avLst/>
+          </a:prstGeom>
+        </p:spPr>
+      </p:pic>
+      <p:sp>
+        <p:nvSpPr>
+          <p:cNvPr id="6" name="Rectangle 5">
+            <a:extLst>
+              <a:ext uri="{FF2B5EF4-FFF2-40B4-BE49-F238E27FC236}">
+                <a16:creationId xmlns:a16="http://schemas.microsoft.com/office/drawing/2014/main" id="{932EB910-F90F-6FF0-82B7-A58E30713FAE}"/>
+              </a:ext>
+            </a:extLst>
+          </p:cNvPr>
+          <p:cNvSpPr/>
+          <p:nvPr/>
+        </p:nvSpPr>
+        <p:spPr>
+          <a:xfrm>
+            <a:off x="0" y="6526883"/>
+            <a:ext cx="9144000" cy="360000"/>
+          </a:xfrm>
+          <a:prstGeom prst="rect">
+            <a:avLst/>
+          </a:prstGeom>
+          <a:solidFill>
+            <a:srgbClr val="D9292A"/>
+          </a:solidFill>
+          <a:ln>
+            <a:noFill/>
+          </a:ln>
+        </p:spPr>
+        <p:style>
+          <a:lnRef idx="2">
+            <a:schemeClr val="accent1">
+              <a:shade val="15000"/>
+            </a:schemeClr>
+          </a:lnRef>
+          <a:fillRef idx="1">
+            <a:schemeClr val="accent1"/>
+          </a:fillRef>
+          <a:effectRef idx="0">
+            <a:schemeClr val="accent1"/>
+          </a:effectRef>
+          <a:fontRef idx="minor">
+            <a:schemeClr val="lt1"/>
+          </a:fontRef>
+        </p:style>
+        <p:txBody>
+          <a:bodyPr rtlCol="0" anchor="ctr"/>
+          <a:lstStyle/>
+          <a:p>
+            <a:pPr algn="ctr"/>
+            <a:endParaRPr lang="en-GB"/>
+          </a:p>
+        </p:txBody>
+      </p:sp>
+      <p:sp>
+        <p:nvSpPr>
+          <p:cNvPr id="7" name="Date Placeholder 6">
+            <a:extLst>
+              <a:ext uri="{FF2B5EF4-FFF2-40B4-BE49-F238E27FC236}">
+                <a16:creationId xmlns:a16="http://schemas.microsoft.com/office/drawing/2014/main" id="{2AEFF4D9-D8C4-5B2D-3B84-EB9355A95E0E}"/>
+              </a:ext>
+            </a:extLst>
+          </p:cNvPr>
+          <p:cNvSpPr>
+            <a:spLocks noGrp="1"/>
+          </p:cNvSpPr>
+          <p:nvPr>
+            <p:ph type="dt" sz="half" idx="10"/>
+          </p:nvPr>
+        </p:nvSpPr>
+        <p:spPr>
+          <a:xfrm>
+            <a:off x="0" y="6529897"/>
+            <a:ext cx="1800000" cy="360000"/>
+          </a:xfrm>
+        </p:spPr>
+        <p:txBody>
+          <a:bodyPr/>
+          <a:lstStyle/>
+          <a:p>
+            <a:fld id="{F7413FB0-400C-4C02-98F2-6D7A55B22557}" type="datetime1">
+              <a:rPr lang="en-GB" smtClean="0">
+                <a:solidFill>
+                  <a:schemeClr val="bg1"/>
+                </a:solidFill>
+              </a:rPr>
+              <a:pPr/>
+              <a:t>12/02/2024</a:t>
+            </a:fld>
+            <a:endParaRPr lang="en-GB">
+              <a:solidFill>
+                <a:schemeClr val="bg1"/>
+              </a:solidFill>
+            </a:endParaRPr>
+          </a:p>
+        </p:txBody>
+      </p:sp>
+      <p:sp>
+        <p:nvSpPr>
+          <p:cNvPr id="8" name="Slide Number Placeholder 7">
+            <a:extLst>
+              <a:ext uri="{FF2B5EF4-FFF2-40B4-BE49-F238E27FC236}">
+                <a16:creationId xmlns:a16="http://schemas.microsoft.com/office/drawing/2014/main" id="{BC83B7D5-28BF-6BD6-6394-621D495E9301}"/>
+              </a:ext>
+            </a:extLst>
+          </p:cNvPr>
+          <p:cNvSpPr>
+            <a:spLocks noGrp="1"/>
+          </p:cNvSpPr>
+          <p:nvPr>
+            <p:ph type="sldNum" sz="quarter" idx="12"/>
+          </p:nvPr>
+        </p:nvSpPr>
+        <p:spPr>
+          <a:xfrm>
+            <a:off x="7344000" y="6526883"/>
+            <a:ext cx="1800000" cy="360000"/>
+          </a:xfrm>
+        </p:spPr>
+        <p:txBody>
+          <a:bodyPr/>
+          <a:lstStyle/>
+          <a:p>
+            <a:fld id="{3363D929-1278-4F6D-962C-CF1E2071BFF1}" type="slidenum">
+              <a:rPr lang="en-GB" smtClean="0">
+                <a:solidFill>
+                  <a:schemeClr val="bg1"/>
+                </a:solidFill>
+              </a:rPr>
+              <a:pPr/>
+              <a:t>5</a:t>
+            </a:fld>
+            <a:endParaRPr lang="en-GB">
+              <a:solidFill>
+                <a:schemeClr val="bg1"/>
+              </a:solidFill>
+            </a:endParaRPr>
+          </a:p>
+        </p:txBody>
+      </p:sp>
+      <p:sp>
+        <p:nvSpPr>
+          <p:cNvPr id="11" name="Wave 10">
+            <a:extLst>
+              <a:ext uri="{FF2B5EF4-FFF2-40B4-BE49-F238E27FC236}">
+                <a16:creationId xmlns:a16="http://schemas.microsoft.com/office/drawing/2014/main" id="{0A89ACE0-C937-5CC4-6885-77BF5820D1B0}"/>
+              </a:ext>
+            </a:extLst>
+          </p:cNvPr>
+          <p:cNvSpPr/>
+          <p:nvPr/>
+        </p:nvSpPr>
+        <p:spPr>
+          <a:xfrm>
+            <a:off x="0" y="-3014"/>
+            <a:ext cx="9144000" cy="841829"/>
+          </a:xfrm>
+          <a:prstGeom prst="wave">
+            <a:avLst>
+              <a:gd name="adj1" fmla="val 12500"/>
+              <a:gd name="adj2" fmla="val 0"/>
+            </a:avLst>
+          </a:prstGeom>
+          <a:solidFill>
+            <a:srgbClr val="D9292A"/>
+          </a:solidFill>
+          <a:ln>
+            <a:noFill/>
+          </a:ln>
+        </p:spPr>
+        <p:style>
+          <a:lnRef idx="2">
+            <a:schemeClr val="accent1">
+              <a:shade val="15000"/>
+            </a:schemeClr>
+          </a:lnRef>
+          <a:fillRef idx="1">
+            <a:schemeClr val="accent1"/>
+          </a:fillRef>
+          <a:effectRef idx="0">
+            <a:schemeClr val="accent1"/>
+          </a:effectRef>
+          <a:fontRef idx="minor">
+            <a:schemeClr val="lt1"/>
+          </a:fontRef>
+        </p:style>
+        <p:txBody>
+          <a:bodyPr rtlCol="0" anchor="ctr"/>
+          <a:lstStyle/>
+          <a:p>
+            <a:pPr algn="ctr"/>
+            <a:endParaRPr lang="en-GB"/>
+          </a:p>
+        </p:txBody>
+      </p:sp>
+      <p:sp>
+        <p:nvSpPr>
+          <p:cNvPr id="12" name="Rectangle 11">
+            <a:extLst>
+              <a:ext uri="{FF2B5EF4-FFF2-40B4-BE49-F238E27FC236}">
+                <a16:creationId xmlns:a16="http://schemas.microsoft.com/office/drawing/2014/main" id="{98CC5663-5B38-2689-AC9E-61E5A65E0355}"/>
+              </a:ext>
+            </a:extLst>
+          </p:cNvPr>
+          <p:cNvSpPr/>
+          <p:nvPr/>
+        </p:nvSpPr>
+        <p:spPr>
+          <a:xfrm>
+            <a:off x="0" y="0"/>
+            <a:ext cx="9144000" cy="609600"/>
+          </a:xfrm>
+          <a:prstGeom prst="rect">
+            <a:avLst/>
+          </a:prstGeom>
+          <a:solidFill>
+            <a:srgbClr val="D9292A"/>
+          </a:solidFill>
+          <a:ln>
+            <a:noFill/>
+          </a:ln>
+        </p:spPr>
+        <p:style>
+          <a:lnRef idx="2">
+            <a:schemeClr val="accent1">
+              <a:shade val="15000"/>
+            </a:schemeClr>
+          </a:lnRef>
+          <a:fillRef idx="1">
+            <a:schemeClr val="accent1"/>
+          </a:fillRef>
+          <a:effectRef idx="0">
+            <a:schemeClr val="accent1"/>
+          </a:effectRef>
+          <a:fontRef idx="minor">
+            <a:schemeClr val="lt1"/>
+          </a:fontRef>
+        </p:style>
+        <p:txBody>
+          <a:bodyPr rtlCol="0" anchor="ctr"/>
+          <a:lstStyle/>
+          <a:p>
+            <a:pPr algn="ctr"/>
+            <a:endParaRPr lang="en-GB"/>
+          </a:p>
+        </p:txBody>
+      </p:sp>
+    </p:spTree>
+    <p:extLst>
+      <p:ext uri="{BB962C8B-B14F-4D97-AF65-F5344CB8AC3E}">
+        <p14:creationId xmlns:p14="http://schemas.microsoft.com/office/powerpoint/2010/main" val="3721665236"/>
       </p:ext>
     </p:extLst>
   </p:cSld>
